--- a/Presentation23Jan.pptx
+++ b/Presentation23Jan.pptx
@@ -131,6 +131,11 @@
       </a:defRPr>
     </a:lvl9pPr>
   </p:defaultTextStyle>
+  <p:extLst>
+    <p:ext uri="{EFAFB233-063F-42B5-8137-9DF3F51BA10A}">
+      <p15:sldGuideLst xmlns:p15="http://schemas.microsoft.com/office/powerpoint/2012/main"/>
+    </p:ext>
+  </p:extLst>
 </p:presentation>
 </file>
 
@@ -7064,31 +7069,18 @@
               <a:buChar char="•"/>
             </a:pPr>
             <a:r>
-              <a:rPr lang="en-US" sz="2800" b="0" strike="noStrike" spc="-1" dirty="0">
+              <a:rPr lang="en-US" sz="2800" b="0" strike="noStrike" spc="-1" dirty="0" smtClean="0">
                 <a:solidFill>
                   <a:srgbClr val="000000"/>
                 </a:solidFill>
                 <a:latin typeface="Calibri"/>
                 <a:ea typeface="DejaVu Sans"/>
               </a:rPr>
-              <a:t>Encrypt </a:t>
-            </a:r>
-            <a:r>
-              <a:rPr lang="en-US" sz="2800" b="0" strike="noStrike" spc="-1" dirty="0" smtClean="0">
-                <a:solidFill>
-                  <a:srgbClr val="000000"/>
-                </a:solidFill>
-                <a:latin typeface="Calibri"/>
-                <a:ea typeface="DejaVu Sans"/>
-              </a:rPr>
-              <a:t>simple message</a:t>
-            </a:r>
-            <a:endParaRPr lang="en-US" sz="2800" b="0" strike="noStrike" spc="-1" dirty="0">
-              <a:latin typeface="Arial"/>
-            </a:endParaRPr>
-          </a:p>
-          <a:p>
-            <a:pPr marL="228600" indent="-227160">
+              <a:t>With program:</a:t>
+            </a:r>
+          </a:p>
+          <a:p>
+            <a:pPr marL="685800" lvl="1" indent="-227160">
               <a:lnSpc>
                 <a:spcPct val="90000"/>
               </a:lnSpc>
@@ -7102,6 +7094,44 @@
               <a:buChar char="•"/>
             </a:pPr>
             <a:r>
+              <a:rPr lang="en-US" sz="2800" b="0" strike="noStrike" spc="-1" dirty="0" smtClean="0">
+                <a:solidFill>
+                  <a:srgbClr val="000000"/>
+                </a:solidFill>
+                <a:latin typeface="Calibri"/>
+                <a:ea typeface="DejaVu Sans"/>
+              </a:rPr>
+              <a:t>Encrypt </a:t>
+            </a:r>
+            <a:r>
+              <a:rPr lang="en-US" sz="2800" b="0" strike="noStrike" spc="-1" dirty="0" smtClean="0">
+                <a:solidFill>
+                  <a:srgbClr val="000000"/>
+                </a:solidFill>
+                <a:latin typeface="Calibri"/>
+                <a:ea typeface="DejaVu Sans"/>
+              </a:rPr>
+              <a:t>simple message</a:t>
+            </a:r>
+            <a:endParaRPr lang="en-US" sz="2800" b="0" strike="noStrike" spc="-1" dirty="0">
+              <a:latin typeface="Arial"/>
+            </a:endParaRPr>
+          </a:p>
+          <a:p>
+            <a:pPr marL="685800" lvl="1" indent="-227160">
+              <a:lnSpc>
+                <a:spcPct val="90000"/>
+              </a:lnSpc>
+              <a:spcBef>
+                <a:spcPts val="1001"/>
+              </a:spcBef>
+              <a:buClr>
+                <a:srgbClr val="000000"/>
+              </a:buClr>
+              <a:buFont typeface="Arial"/>
+              <a:buChar char="•"/>
+            </a:pPr>
+            <a:r>
               <a:rPr lang="en-US" sz="2800" b="0" strike="noStrike" spc="-1" dirty="0">
                 <a:solidFill>
                   <a:srgbClr val="000000"/>
@@ -7109,7 +7139,74 @@
                 <a:latin typeface="Calibri"/>
                 <a:ea typeface="DejaVu Sans"/>
               </a:rPr>
-              <a:t>Decrypt message</a:t>
+              <a:t>Decrypt </a:t>
+            </a:r>
+            <a:r>
+              <a:rPr lang="en-US" sz="2800" b="0" strike="noStrike" spc="-1" dirty="0" smtClean="0">
+                <a:solidFill>
+                  <a:srgbClr val="000000"/>
+                </a:solidFill>
+                <a:latin typeface="Calibri"/>
+                <a:ea typeface="DejaVu Sans"/>
+              </a:rPr>
+              <a:t>message</a:t>
+            </a:r>
+          </a:p>
+          <a:p>
+            <a:pPr marL="228600" indent="-227160">
+              <a:lnSpc>
+                <a:spcPct val="90000"/>
+              </a:lnSpc>
+              <a:spcBef>
+                <a:spcPts val="1001"/>
+              </a:spcBef>
+              <a:buClr>
+                <a:srgbClr val="000000"/>
+              </a:buClr>
+              <a:buFont typeface="Arial"/>
+              <a:buChar char="•"/>
+            </a:pPr>
+            <a:r>
+              <a:rPr lang="en-US" sz="2800" spc="-1" dirty="0" smtClean="0">
+                <a:solidFill>
+                  <a:srgbClr val="000000"/>
+                </a:solidFill>
+                <a:latin typeface="Calibri"/>
+              </a:rPr>
+              <a:t>On board:</a:t>
+            </a:r>
+          </a:p>
+          <a:p>
+            <a:pPr marL="685800" lvl="1" indent="-227160">
+              <a:lnSpc>
+                <a:spcPct val="90000"/>
+              </a:lnSpc>
+              <a:spcBef>
+                <a:spcPts val="1001"/>
+              </a:spcBef>
+              <a:buClr>
+                <a:srgbClr val="000000"/>
+              </a:buClr>
+              <a:buFont typeface="Arial"/>
+              <a:buChar char="•"/>
+            </a:pPr>
+            <a:r>
+              <a:rPr lang="en-US" sz="2800" b="0" strike="noStrike" spc="-1" dirty="0" smtClean="0">
+                <a:solidFill>
+                  <a:srgbClr val="000000"/>
+                </a:solidFill>
+                <a:latin typeface="Calibri"/>
+              </a:rPr>
+              <a:t>Demonstration of </a:t>
+            </a:r>
+            <a:r>
+              <a:rPr lang="en-US" sz="2800" b="0" strike="noStrike" spc="-1" smtClean="0">
+                <a:solidFill>
+                  <a:srgbClr val="000000"/>
+                </a:solidFill>
+                <a:latin typeface="Calibri"/>
+              </a:rPr>
+              <a:t>two-letter encryption </a:t>
             </a:r>
             <a:endParaRPr lang="en-US" sz="2800" b="0" strike="noStrike" spc="-1" dirty="0">
               <a:latin typeface="Arial"/>
